--- a/Designing WCF Services.pptx
+++ b/Designing WCF Services.pptx
@@ -7,17 +7,22 @@
   <p:sldIdLst>
     <p:sldId id="256" r:id="rId2"/>
     <p:sldId id="257" r:id="rId3"/>
-    <p:sldId id="258" r:id="rId4"/>
-    <p:sldId id="259" r:id="rId5"/>
-    <p:sldId id="260" r:id="rId6"/>
-    <p:sldId id="261" r:id="rId7"/>
-    <p:sldId id="262" r:id="rId8"/>
-    <p:sldId id="263" r:id="rId9"/>
-    <p:sldId id="264" r:id="rId10"/>
-    <p:sldId id="265" r:id="rId11"/>
-    <p:sldId id="266" r:id="rId12"/>
-    <p:sldId id="267" r:id="rId13"/>
-    <p:sldId id="268" r:id="rId14"/>
+    <p:sldId id="270" r:id="rId4"/>
+    <p:sldId id="258" r:id="rId5"/>
+    <p:sldId id="259" r:id="rId6"/>
+    <p:sldId id="260" r:id="rId7"/>
+    <p:sldId id="261" r:id="rId8"/>
+    <p:sldId id="262" r:id="rId9"/>
+    <p:sldId id="263" r:id="rId10"/>
+    <p:sldId id="264" r:id="rId11"/>
+    <p:sldId id="265" r:id="rId12"/>
+    <p:sldId id="273" r:id="rId13"/>
+    <p:sldId id="266" r:id="rId14"/>
+    <p:sldId id="272" r:id="rId15"/>
+    <p:sldId id="267" r:id="rId16"/>
+    <p:sldId id="271" r:id="rId17"/>
+    <p:sldId id="268" r:id="rId18"/>
+    <p:sldId id="269" r:id="rId19"/>
   </p:sldIdLst>
   <p:sldSz cx="9144000" cy="6858000" type="screen4x3"/>
   <p:notesSz cx="6858000" cy="9144000"/>
@@ -116,6 +121,22 @@
       </a:defRPr>
     </a:lvl9pPr>
   </p:defaultTextStyle>
+  <p:extLst>
+    <p:ext uri="{EFAFB233-063F-42B5-8137-9DF3F51BA10A}">
+      <p15:sldGuideLst xmlns:p15="http://schemas.microsoft.com/office/powerpoint/2012/main">
+        <p15:guide id="1" orient="horz" pos="2160">
+          <p15:clr>
+            <a:srgbClr val="A4A3A4"/>
+          </p15:clr>
+        </p15:guide>
+        <p15:guide id="2" pos="2880">
+          <p15:clr>
+            <a:srgbClr val="A4A3A4"/>
+          </p15:clr>
+        </p15:guide>
+      </p15:sldGuideLst>
+    </p:ext>
+  </p:extLst>
 </p:presentation>
 </file>
 
@@ -1214,6 +1235,13 @@
     <dgm:pt modelId="{1D9D324B-450D-49C2-BB4C-1DF1A03931B5}" type="pres">
       <dgm:prSet presAssocID="{91813F1C-E0B8-4897-B8D2-71FF2A3FE6D9}" presName="centerShape" presStyleLbl="vennNode1" presStyleIdx="0" presStyleCnt="4"/>
       <dgm:spPr/>
+      <dgm:t>
+        <a:bodyPr/>
+        <a:lstStyle/>
+        <a:p>
+          <a:endParaRPr lang="en-US"/>
+        </a:p>
+      </dgm:t>
     </dgm:pt>
     <dgm:pt modelId="{8C3D868A-45FE-4977-8D90-2BF1BAB01D54}" type="pres">
       <dgm:prSet presAssocID="{C3444E50-DEA3-4425-A670-14BDC537013B}" presName="node" presStyleLbl="vennNode1" presStyleIdx="1" presStyleCnt="4">
@@ -1222,6 +1250,13 @@
         </dgm:presLayoutVars>
       </dgm:prSet>
       <dgm:spPr/>
+      <dgm:t>
+        <a:bodyPr/>
+        <a:lstStyle/>
+        <a:p>
+          <a:endParaRPr lang="en-US"/>
+        </a:p>
+      </dgm:t>
     </dgm:pt>
     <dgm:pt modelId="{F0ACE3B1-71CE-4831-9098-7E0BAFA25CB7}" type="pres">
       <dgm:prSet presAssocID="{9C20605E-41E3-4410-9640-2E265C0B225F}" presName="node" presStyleLbl="vennNode1" presStyleIdx="2" presStyleCnt="4">
@@ -1230,6 +1265,13 @@
         </dgm:presLayoutVars>
       </dgm:prSet>
       <dgm:spPr/>
+      <dgm:t>
+        <a:bodyPr/>
+        <a:lstStyle/>
+        <a:p>
+          <a:endParaRPr lang="en-US"/>
+        </a:p>
+      </dgm:t>
     </dgm:pt>
     <dgm:pt modelId="{0FEC15FB-42C0-42AB-843A-C24D1EE5FC7B}" type="pres">
       <dgm:prSet presAssocID="{466E53E7-F26B-4662-B964-6017738CDA2E}" presName="node" presStyleLbl="vennNode1" presStyleIdx="3" presStyleCnt="4">
@@ -1238,6 +1280,13 @@
         </dgm:presLayoutVars>
       </dgm:prSet>
       <dgm:spPr/>
+      <dgm:t>
+        <a:bodyPr/>
+        <a:lstStyle/>
+        <a:p>
+          <a:endParaRPr lang="en-US"/>
+        </a:p>
+      </dgm:t>
     </dgm:pt>
   </dgm:ptLst>
   <dgm:cxnLst>
@@ -4959,7 +5008,7 @@
           <a:p>
             <a:fld id="{0EC9E97E-0B09-482A-8198-3D02374EE18E}" type="datetimeFigureOut">
               <a:rPr lang="en-US" smtClean="0"/>
-              <a:t>4/17/2012</a:t>
+              <a:t>1/25/2013</a:t>
             </a:fld>
             <a:endParaRPr lang="en-US"/>
           </a:p>
@@ -5170,7 +5219,7 @@
           <a:p>
             <a:fld id="{0EC9E97E-0B09-482A-8198-3D02374EE18E}" type="datetimeFigureOut">
               <a:rPr lang="en-US" smtClean="0"/>
-              <a:t>4/17/2012</a:t>
+              <a:t>1/25/2013</a:t>
             </a:fld>
             <a:endParaRPr lang="en-US"/>
           </a:p>
@@ -5321,7 +5370,7 @@
           <a:p>
             <a:fld id="{0EC9E97E-0B09-482A-8198-3D02374EE18E}" type="datetimeFigureOut">
               <a:rPr lang="en-US" smtClean="0"/>
-              <a:t>4/17/2012</a:t>
+              <a:t>1/25/2013</a:t>
             </a:fld>
             <a:endParaRPr lang="en-US"/>
           </a:p>
@@ -7147,7 +7196,7 @@
           <a:p>
             <a:fld id="{0EC9E97E-0B09-482A-8198-3D02374EE18E}" type="datetimeFigureOut">
               <a:rPr lang="en-US" smtClean="0"/>
-              <a:t>4/17/2012</a:t>
+              <a:t>1/25/2013</a:t>
             </a:fld>
             <a:endParaRPr lang="en-US"/>
           </a:p>
@@ -9017,7 +9066,7 @@
           <a:p>
             <a:fld id="{0EC9E97E-0B09-482A-8198-3D02374EE18E}" type="datetimeFigureOut">
               <a:rPr lang="en-US" smtClean="0"/>
-              <a:t>4/17/2012</a:t>
+              <a:t>1/25/2013</a:t>
             </a:fld>
             <a:endParaRPr lang="en-US"/>
           </a:p>
@@ -9160,7 +9209,7 @@
           <a:p>
             <a:fld id="{0EC9E97E-0B09-482A-8198-3D02374EE18E}" type="datetimeFigureOut">
               <a:rPr lang="en-US" smtClean="0"/>
-              <a:t>4/17/2012</a:t>
+              <a:t>1/25/2013</a:t>
             </a:fld>
             <a:endParaRPr lang="en-US"/>
           </a:p>
@@ -9701,7 +9750,7 @@
           <a:p>
             <a:fld id="{0EC9E97E-0B09-482A-8198-3D02374EE18E}" type="datetimeFigureOut">
               <a:rPr lang="en-US" smtClean="0"/>
-              <a:t>4/17/2012</a:t>
+              <a:t>1/25/2013</a:t>
             </a:fld>
             <a:endParaRPr lang="en-US"/>
           </a:p>
@@ -9814,7 +9863,7 @@
           <a:p>
             <a:fld id="{0EC9E97E-0B09-482A-8198-3D02374EE18E}" type="datetimeFigureOut">
               <a:rPr lang="en-US" smtClean="0"/>
-              <a:t>4/17/2012</a:t>
+              <a:t>1/25/2013</a:t>
             </a:fld>
             <a:endParaRPr lang="en-US"/>
           </a:p>
@@ -11525,7 +11574,7 @@
           <a:p>
             <a:fld id="{0EC9E97E-0B09-482A-8198-3D02374EE18E}" type="datetimeFigureOut">
               <a:rPr lang="en-US" smtClean="0"/>
-              <a:t>4/17/2012</a:t>
+              <a:t>1/25/2013</a:t>
             </a:fld>
             <a:endParaRPr lang="en-US"/>
           </a:p>
@@ -11676,7 +11725,7 @@
           <a:p>
             <a:fld id="{0EC9E97E-0B09-482A-8198-3D02374EE18E}" type="datetimeFigureOut">
               <a:rPr lang="en-US" smtClean="0"/>
-              <a:t>4/17/2012</a:t>
+              <a:t>1/25/2013</a:t>
             </a:fld>
             <a:endParaRPr lang="en-US"/>
           </a:p>
@@ -15291,7 +15340,7 @@
           <a:p>
             <a:fld id="{0EC9E97E-0B09-482A-8198-3D02374EE18E}" type="datetimeFigureOut">
               <a:rPr lang="en-US" smtClean="0"/>
-              <a:t>4/17/2012</a:t>
+              <a:t>1/25/2013</a:t>
             </a:fld>
             <a:endParaRPr lang="en-US"/>
           </a:p>
@@ -17180,7 +17229,7 @@
           <a:p>
             <a:fld id="{0EC9E97E-0B09-482A-8198-3D02374EE18E}" type="datetimeFigureOut">
               <a:rPr lang="en-US" smtClean="0"/>
-              <a:t>4/17/2012</a:t>
+              <a:t>1/25/2013</a:t>
             </a:fld>
             <a:endParaRPr lang="en-US"/>
           </a:p>
@@ -17807,6 +17856,122 @@
       </p:grpSpPr>
       <p:sp>
         <p:nvSpPr>
+          <p:cNvPr id="2" name="Content Placeholder 1"/>
+          <p:cNvSpPr>
+            <a:spLocks noGrp="1"/>
+          </p:cNvSpPr>
+          <p:nvPr>
+            <p:ph idx="1"/>
+          </p:nvPr>
+        </p:nvSpPr>
+        <p:spPr/>
+        <p:txBody>
+          <a:bodyPr/>
+          <a:lstStyle/>
+          <a:p>
+            <a:r>
+              <a:rPr lang="en-US" dirty="0" smtClean="0"/>
+              <a:t>Adding operations to an existing service</a:t>
+            </a:r>
+          </a:p>
+          <a:p>
+            <a:r>
+              <a:rPr lang="en-US" dirty="0" smtClean="0"/>
+              <a:t>Adding members to an existing data type</a:t>
+            </a:r>
+          </a:p>
+          <a:p>
+            <a:r>
+              <a:rPr lang="en-US" dirty="0" smtClean="0"/>
+              <a:t>Removing non-required members for an existing data type.</a:t>
+            </a:r>
+          </a:p>
+          <a:p>
+            <a:r>
+              <a:rPr lang="en-US" dirty="0" smtClean="0"/>
+              <a:t>Changing URL</a:t>
+            </a:r>
+          </a:p>
+          <a:p>
+            <a:pPr lvl="1"/>
+            <a:r>
+              <a:rPr lang="en-US" dirty="0" smtClean="0"/>
+              <a:t>This will require re-</a:t>
+            </a:r>
+            <a:r>
+              <a:rPr lang="en-US" dirty="0" err="1" smtClean="0"/>
+              <a:t>config</a:t>
+            </a:r>
+            <a:r>
+              <a:rPr lang="en-US" dirty="0" smtClean="0"/>
+              <a:t> of your clients, but will not break proxies.</a:t>
+            </a:r>
+            <a:endParaRPr lang="en-US" dirty="0"/>
+          </a:p>
+        </p:txBody>
+      </p:sp>
+      <p:sp>
+        <p:nvSpPr>
+          <p:cNvPr id="3" name="Title 2"/>
+          <p:cNvSpPr>
+            <a:spLocks noGrp="1"/>
+          </p:cNvSpPr>
+          <p:nvPr>
+            <p:ph type="title"/>
+          </p:nvPr>
+        </p:nvSpPr>
+        <p:spPr/>
+        <p:txBody>
+          <a:bodyPr/>
+          <a:lstStyle/>
+          <a:p>
+            <a:r>
+              <a:rPr lang="en-US" dirty="0" smtClean="0"/>
+              <a:t>What does NOT break WSDL?</a:t>
+            </a:r>
+            <a:endParaRPr lang="en-US" dirty="0"/>
+          </a:p>
+        </p:txBody>
+      </p:sp>
+    </p:spTree>
+    <p:extLst>
+      <p:ext uri="{BB962C8B-B14F-4D97-AF65-F5344CB8AC3E}">
+        <p14:creationId xmlns:p14="http://schemas.microsoft.com/office/powerpoint/2010/main" val="3635801709"/>
+      </p:ext>
+    </p:extLst>
+  </p:cSld>
+  <p:clrMapOvr>
+    <a:masterClrMapping/>
+  </p:clrMapOvr>
+  <p:timing>
+    <p:tnLst>
+      <p:par>
+        <p:cTn id="1" dur="indefinite" restart="never" nodeType="tmRoot"/>
+      </p:par>
+    </p:tnLst>
+  </p:timing>
+</p:sld>
+</file>
+
+<file path=ppt/slides/slide11.xml><?xml version="1.0" encoding="utf-8"?>
+<p:sld xmlns:a="http://schemas.openxmlformats.org/drawingml/2006/main" xmlns:r="http://schemas.openxmlformats.org/officeDocument/2006/relationships" xmlns:p="http://schemas.openxmlformats.org/presentationml/2006/main">
+  <p:cSld>
+    <p:spTree>
+      <p:nvGrpSpPr>
+        <p:cNvPr id="1" name=""/>
+        <p:cNvGrpSpPr/>
+        <p:nvPr/>
+      </p:nvGrpSpPr>
+      <p:grpSpPr>
+        <a:xfrm>
+          <a:off x="0" y="0"/>
+          <a:ext cx="0" cy="0"/>
+          <a:chOff x="0" y="0"/>
+          <a:chExt cx="0" cy="0"/>
+        </a:xfrm>
+      </p:grpSpPr>
+      <p:sp>
+        <p:nvSpPr>
           <p:cNvPr id="4" name="Title 3"/>
           <p:cNvSpPr>
             <a:spLocks noGrp="1"/>
@@ -17879,7 +18044,79 @@
 </p:sld>
 </file>
 
-<file path=ppt/slides/slide11.xml><?xml version="1.0" encoding="utf-8"?>
+<file path=ppt/slides/slide12.xml><?xml version="1.0" encoding="utf-8"?>
+<p:sld xmlns:a="http://schemas.openxmlformats.org/drawingml/2006/main" xmlns:r="http://schemas.openxmlformats.org/officeDocument/2006/relationships" xmlns:p="http://schemas.openxmlformats.org/presentationml/2006/main">
+  <p:cSld>
+    <p:spTree>
+      <p:nvGrpSpPr>
+        <p:cNvPr id="1" name=""/>
+        <p:cNvGrpSpPr/>
+        <p:nvPr/>
+      </p:nvGrpSpPr>
+      <p:grpSpPr>
+        <a:xfrm>
+          <a:off x="0" y="0"/>
+          <a:ext cx="0" cy="0"/>
+          <a:chOff x="0" y="0"/>
+          <a:chExt cx="0" cy="0"/>
+        </a:xfrm>
+      </p:grpSpPr>
+      <p:sp>
+        <p:nvSpPr>
+          <p:cNvPr id="2" name="Title 1"/>
+          <p:cNvSpPr>
+            <a:spLocks noGrp="1"/>
+          </p:cNvSpPr>
+          <p:nvPr>
+            <p:ph type="title"/>
+          </p:nvPr>
+        </p:nvSpPr>
+        <p:spPr/>
+        <p:txBody>
+          <a:bodyPr/>
+          <a:lstStyle/>
+          <a:p>
+            <a:r>
+              <a:rPr lang="en-US" dirty="0" smtClean="0"/>
+              <a:t>Wait … You don’t use Console apps in production?</a:t>
+            </a:r>
+            <a:endParaRPr lang="en-US" dirty="0"/>
+          </a:p>
+        </p:txBody>
+      </p:sp>
+      <p:sp>
+        <p:nvSpPr>
+          <p:cNvPr id="3" name="Text Placeholder 2"/>
+          <p:cNvSpPr>
+            <a:spLocks noGrp="1"/>
+          </p:cNvSpPr>
+          <p:nvPr>
+            <p:ph type="body" idx="1"/>
+          </p:nvPr>
+        </p:nvSpPr>
+        <p:spPr/>
+        <p:txBody>
+          <a:bodyPr/>
+          <a:lstStyle/>
+          <a:p>
+            <a:endParaRPr lang="en-US"/>
+          </a:p>
+        </p:txBody>
+      </p:sp>
+    </p:spTree>
+    <p:extLst>
+      <p:ext uri="{BB962C8B-B14F-4D97-AF65-F5344CB8AC3E}">
+        <p14:creationId xmlns:p14="http://schemas.microsoft.com/office/powerpoint/2010/main" val="4142136711"/>
+      </p:ext>
+    </p:extLst>
+  </p:cSld>
+  <p:clrMapOvr>
+    <a:masterClrMapping/>
+  </p:clrMapOvr>
+</p:sld>
+</file>
+
+<file path=ppt/slides/slide13.xml><?xml version="1.0" encoding="utf-8"?>
 <p:sld xmlns:a="http://schemas.openxmlformats.org/drawingml/2006/main" xmlns:r="http://schemas.openxmlformats.org/officeDocument/2006/relationships" xmlns:p="http://schemas.openxmlformats.org/presentationml/2006/main">
   <p:cSld>
     <p:spTree>
@@ -17966,7 +18203,79 @@
 </p:sld>
 </file>
 
-<file path=ppt/slides/slide12.xml><?xml version="1.0" encoding="utf-8"?>
+<file path=ppt/slides/slide14.xml><?xml version="1.0" encoding="utf-8"?>
+<p:sld xmlns:a="http://schemas.openxmlformats.org/drawingml/2006/main" xmlns:r="http://schemas.openxmlformats.org/officeDocument/2006/relationships" xmlns:p="http://schemas.openxmlformats.org/presentationml/2006/main">
+  <p:cSld>
+    <p:spTree>
+      <p:nvGrpSpPr>
+        <p:cNvPr id="1" name=""/>
+        <p:cNvGrpSpPr/>
+        <p:nvPr/>
+      </p:nvGrpSpPr>
+      <p:grpSpPr>
+        <a:xfrm>
+          <a:off x="0" y="0"/>
+          <a:ext cx="0" cy="0"/>
+          <a:chOff x="0" y="0"/>
+          <a:chExt cx="0" cy="0"/>
+        </a:xfrm>
+      </p:grpSpPr>
+      <p:sp>
+        <p:nvSpPr>
+          <p:cNvPr id="2" name="Title 1"/>
+          <p:cNvSpPr>
+            <a:spLocks noGrp="1"/>
+          </p:cNvSpPr>
+          <p:nvPr>
+            <p:ph type="title"/>
+          </p:nvPr>
+        </p:nvSpPr>
+        <p:spPr/>
+        <p:txBody>
+          <a:bodyPr/>
+          <a:lstStyle/>
+          <a:p>
+            <a:r>
+              <a:rPr lang="en-US" dirty="0" smtClean="0"/>
+              <a:t>Inversion of Control</a:t>
+            </a:r>
+            <a:endParaRPr lang="en-US" dirty="0"/>
+          </a:p>
+        </p:txBody>
+      </p:sp>
+      <p:sp>
+        <p:nvSpPr>
+          <p:cNvPr id="3" name="Text Placeholder 2"/>
+          <p:cNvSpPr>
+            <a:spLocks noGrp="1"/>
+          </p:cNvSpPr>
+          <p:nvPr>
+            <p:ph type="body" idx="1"/>
+          </p:nvPr>
+        </p:nvSpPr>
+        <p:spPr/>
+        <p:txBody>
+          <a:bodyPr/>
+          <a:lstStyle/>
+          <a:p>
+            <a:endParaRPr lang="en-US" dirty="0"/>
+          </a:p>
+        </p:txBody>
+      </p:sp>
+    </p:spTree>
+    <p:extLst>
+      <p:ext uri="{BB962C8B-B14F-4D97-AF65-F5344CB8AC3E}">
+        <p14:creationId xmlns:p14="http://schemas.microsoft.com/office/powerpoint/2010/main" val="4186762338"/>
+      </p:ext>
+    </p:extLst>
+  </p:cSld>
+  <p:clrMapOvr>
+    <a:masterClrMapping/>
+  </p:clrMapOvr>
+</p:sld>
+</file>
+
+<file path=ppt/slides/slide15.xml><?xml version="1.0" encoding="utf-8"?>
 <p:sld xmlns:a="http://schemas.openxmlformats.org/drawingml/2006/main" xmlns:r="http://schemas.openxmlformats.org/officeDocument/2006/relationships" xmlns:p="http://schemas.openxmlformats.org/presentationml/2006/main">
   <p:cSld>
     <p:spTree>
@@ -18053,7 +18362,79 @@
 </p:sld>
 </file>
 
-<file path=ppt/slides/slide13.xml><?xml version="1.0" encoding="utf-8"?>
+<file path=ppt/slides/slide16.xml><?xml version="1.0" encoding="utf-8"?>
+<p:sld xmlns:a="http://schemas.openxmlformats.org/drawingml/2006/main" xmlns:r="http://schemas.openxmlformats.org/officeDocument/2006/relationships" xmlns:p="http://schemas.openxmlformats.org/presentationml/2006/main">
+  <p:cSld>
+    <p:spTree>
+      <p:nvGrpSpPr>
+        <p:cNvPr id="1" name=""/>
+        <p:cNvGrpSpPr/>
+        <p:nvPr/>
+      </p:nvGrpSpPr>
+      <p:grpSpPr>
+        <a:xfrm>
+          <a:off x="0" y="0"/>
+          <a:ext cx="0" cy="0"/>
+          <a:chOff x="0" y="0"/>
+          <a:chExt cx="0" cy="0"/>
+        </a:xfrm>
+      </p:grpSpPr>
+      <p:sp>
+        <p:nvSpPr>
+          <p:cNvPr id="2" name="Title 1"/>
+          <p:cNvSpPr>
+            <a:spLocks noGrp="1"/>
+          </p:cNvSpPr>
+          <p:nvPr>
+            <p:ph type="title"/>
+          </p:nvPr>
+        </p:nvSpPr>
+        <p:spPr/>
+        <p:txBody>
+          <a:bodyPr/>
+          <a:lstStyle/>
+          <a:p>
+            <a:r>
+              <a:rPr lang="en-US" dirty="0" smtClean="0"/>
+              <a:t>SOAP vs. REST</a:t>
+            </a:r>
+            <a:endParaRPr lang="en-US" dirty="0"/>
+          </a:p>
+        </p:txBody>
+      </p:sp>
+      <p:sp>
+        <p:nvSpPr>
+          <p:cNvPr id="3" name="Text Placeholder 2"/>
+          <p:cNvSpPr>
+            <a:spLocks noGrp="1"/>
+          </p:cNvSpPr>
+          <p:nvPr>
+            <p:ph type="body" idx="1"/>
+          </p:nvPr>
+        </p:nvSpPr>
+        <p:spPr/>
+        <p:txBody>
+          <a:bodyPr/>
+          <a:lstStyle/>
+          <a:p>
+            <a:endParaRPr lang="en-US"/>
+          </a:p>
+        </p:txBody>
+      </p:sp>
+    </p:spTree>
+    <p:extLst>
+      <p:ext uri="{BB962C8B-B14F-4D97-AF65-F5344CB8AC3E}">
+        <p14:creationId xmlns:p14="http://schemas.microsoft.com/office/powerpoint/2010/main" val="36637402"/>
+      </p:ext>
+    </p:extLst>
+  </p:cSld>
+  <p:clrMapOvr>
+    <a:masterClrMapping/>
+  </p:clrMapOvr>
+</p:sld>
+</file>
+
+<file path=ppt/slides/slide17.xml><?xml version="1.0" encoding="utf-8"?>
 <p:sld xmlns:a="http://schemas.openxmlformats.org/drawingml/2006/main" xmlns:r="http://schemas.openxmlformats.org/officeDocument/2006/relationships" xmlns:p="http://schemas.openxmlformats.org/presentationml/2006/main">
   <p:cSld>
     <p:spTree>
@@ -18124,6 +18505,81 @@
     <p:extLst>
       <p:ext uri="{BB962C8B-B14F-4D97-AF65-F5344CB8AC3E}">
         <p14:creationId xmlns:p14="http://schemas.microsoft.com/office/powerpoint/2010/main" val="1165930750"/>
+      </p:ext>
+    </p:extLst>
+  </p:cSld>
+  <p:clrMapOvr>
+    <a:masterClrMapping/>
+  </p:clrMapOvr>
+</p:sld>
+</file>
+
+<file path=ppt/slides/slide18.xml><?xml version="1.0" encoding="utf-8"?>
+<p:sld xmlns:a="http://schemas.openxmlformats.org/drawingml/2006/main" xmlns:r="http://schemas.openxmlformats.org/officeDocument/2006/relationships" xmlns:p="http://schemas.openxmlformats.org/presentationml/2006/main">
+  <p:cSld>
+    <p:spTree>
+      <p:nvGrpSpPr>
+        <p:cNvPr id="1" name=""/>
+        <p:cNvGrpSpPr/>
+        <p:nvPr/>
+      </p:nvGrpSpPr>
+      <p:grpSpPr>
+        <a:xfrm>
+          <a:off x="0" y="0"/>
+          <a:ext cx="0" cy="0"/>
+          <a:chOff x="0" y="0"/>
+          <a:chExt cx="0" cy="0"/>
+        </a:xfrm>
+      </p:grpSpPr>
+      <p:sp>
+        <p:nvSpPr>
+          <p:cNvPr id="3" name="Title 2"/>
+          <p:cNvSpPr>
+            <a:spLocks noGrp="1"/>
+          </p:cNvSpPr>
+          <p:nvPr>
+            <p:ph type="ctrTitle"/>
+          </p:nvPr>
+        </p:nvSpPr>
+        <p:spPr/>
+        <p:txBody>
+          <a:bodyPr/>
+          <a:lstStyle/>
+          <a:p>
+            <a:r>
+              <a:rPr lang="en-US" dirty="0" smtClean="0"/>
+              <a:t>Get The Source &amp; Slides</a:t>
+            </a:r>
+            <a:endParaRPr lang="en-US" dirty="0"/>
+          </a:p>
+        </p:txBody>
+      </p:sp>
+      <p:sp>
+        <p:nvSpPr>
+          <p:cNvPr id="4" name="Subtitle 3"/>
+          <p:cNvSpPr>
+            <a:spLocks noGrp="1"/>
+          </p:cNvSpPr>
+          <p:nvPr>
+            <p:ph type="subTitle" idx="1"/>
+          </p:nvPr>
+        </p:nvSpPr>
+        <p:spPr/>
+        <p:txBody>
+          <a:bodyPr/>
+          <a:lstStyle/>
+          <a:p>
+            <a:r>
+              <a:rPr lang="en-US" dirty="0"/>
+              <a:t>https://github.com/trayburn/Presentations.WcfTopics</a:t>
+            </a:r>
+          </a:p>
+        </p:txBody>
+      </p:sp>
+    </p:spTree>
+    <p:extLst>
+      <p:ext uri="{BB962C8B-B14F-4D97-AF65-F5344CB8AC3E}">
+        <p14:creationId xmlns:p14="http://schemas.microsoft.com/office/powerpoint/2010/main" val="3321355183"/>
       </p:ext>
     </p:extLst>
   </p:cSld>
@@ -18288,6 +18744,137 @@
           <a:p>
             <a:r>
               <a:rPr lang="en-US" dirty="0" smtClean="0"/>
+              <a:t>Principal Consultant with Improving Enterprises</a:t>
+            </a:r>
+          </a:p>
+          <a:p>
+            <a:r>
+              <a:rPr lang="en-US" dirty="0" smtClean="0"/>
+              <a:t>Author of Entity Framework 4.1 : Expert’s Cookbook</a:t>
+            </a:r>
+          </a:p>
+          <a:p>
+            <a:r>
+              <a:rPr lang="en-US" dirty="0" smtClean="0"/>
+              <a:t>Microsoft MVP for </a:t>
+            </a:r>
+            <a:r>
+              <a:rPr lang="en-US" dirty="0" smtClean="0"/>
+              <a:t>C#</a:t>
+            </a:r>
+            <a:endParaRPr lang="en-US" dirty="0" smtClean="0"/>
+          </a:p>
+          <a:p>
+            <a:r>
+              <a:rPr lang="en-US" dirty="0" smtClean="0"/>
+              <a:t>Team Foundation Server &amp; Agile Guru</a:t>
+            </a:r>
+            <a:endParaRPr lang="en-US" dirty="0" smtClean="0"/>
+          </a:p>
+          <a:p>
+            <a:endParaRPr lang="en-US" dirty="0"/>
+          </a:p>
+          <a:p>
+            <a:r>
+              <a:rPr lang="en-US" dirty="0" smtClean="0"/>
+              <a:t>Blog: </a:t>
+            </a:r>
+            <a:r>
+              <a:rPr lang="en-US" dirty="0" smtClean="0"/>
+              <a:t>DevlinLiles.com</a:t>
+            </a:r>
+            <a:endParaRPr lang="en-US" dirty="0" smtClean="0"/>
+          </a:p>
+          <a:p>
+            <a:r>
+              <a:rPr lang="en-US" dirty="0" smtClean="0"/>
+              <a:t>Email: </a:t>
+            </a:r>
+            <a:r>
+              <a:rPr lang="en-US" dirty="0" smtClean="0"/>
+              <a:t>Devlin@DevlinLiles.com</a:t>
+            </a:r>
+            <a:endParaRPr lang="en-US" dirty="0"/>
+          </a:p>
+        </p:txBody>
+      </p:sp>
+      <p:sp>
+        <p:nvSpPr>
+          <p:cNvPr id="3" name="Title 2"/>
+          <p:cNvSpPr>
+            <a:spLocks noGrp="1"/>
+          </p:cNvSpPr>
+          <p:nvPr>
+            <p:ph type="title"/>
+          </p:nvPr>
+        </p:nvSpPr>
+        <p:spPr/>
+        <p:txBody>
+          <a:bodyPr/>
+          <a:lstStyle/>
+          <a:p>
+            <a:r>
+              <a:rPr lang="en-US" dirty="0" smtClean="0"/>
+              <a:t>Devlin Liles</a:t>
+            </a:r>
+            <a:endParaRPr lang="en-US" dirty="0"/>
+          </a:p>
+        </p:txBody>
+      </p:sp>
+    </p:spTree>
+    <p:extLst>
+      <p:ext uri="{BB962C8B-B14F-4D97-AF65-F5344CB8AC3E}">
+        <p14:creationId xmlns:p14="http://schemas.microsoft.com/office/powerpoint/2010/main" val="3391519983"/>
+      </p:ext>
+    </p:extLst>
+  </p:cSld>
+  <p:clrMapOvr>
+    <a:masterClrMapping/>
+  </p:clrMapOvr>
+  <p:timing>
+    <p:tnLst>
+      <p:par>
+        <p:cTn id="1" dur="indefinite" restart="never" nodeType="tmRoot"/>
+      </p:par>
+    </p:tnLst>
+  </p:timing>
+</p:sld>
+</file>
+
+<file path=ppt/slides/slide4.xml><?xml version="1.0" encoding="utf-8"?>
+<p:sld xmlns:a="http://schemas.openxmlformats.org/drawingml/2006/main" xmlns:r="http://schemas.openxmlformats.org/officeDocument/2006/relationships" xmlns:p="http://schemas.openxmlformats.org/presentationml/2006/main">
+  <p:cSld>
+    <p:spTree>
+      <p:nvGrpSpPr>
+        <p:cNvPr id="1" name=""/>
+        <p:cNvGrpSpPr/>
+        <p:nvPr/>
+      </p:nvGrpSpPr>
+      <p:grpSpPr>
+        <a:xfrm>
+          <a:off x="0" y="0"/>
+          <a:ext cx="0" cy="0"/>
+          <a:chOff x="0" y="0"/>
+          <a:chExt cx="0" cy="0"/>
+        </a:xfrm>
+      </p:grpSpPr>
+      <p:sp>
+        <p:nvSpPr>
+          <p:cNvPr id="2" name="Content Placeholder 1"/>
+          <p:cNvSpPr>
+            <a:spLocks noGrp="1"/>
+          </p:cNvSpPr>
+          <p:nvPr>
+            <p:ph idx="1"/>
+          </p:nvPr>
+        </p:nvSpPr>
+        <p:spPr/>
+        <p:txBody>
+          <a:bodyPr/>
+          <a:lstStyle/>
+          <a:p>
+            <a:r>
+              <a:rPr lang="en-US" dirty="0" smtClean="0"/>
               <a:t>Windows Communication Foundation provides abstractions over:</a:t>
             </a:r>
           </a:p>
@@ -18367,7 +18954,7 @@
 </p:sld>
 </file>
 
-<file path=ppt/slides/slide4.xml><?xml version="1.0" encoding="utf-8"?>
+<file path=ppt/slides/slide5.xml><?xml version="1.0" encoding="utf-8"?>
 <p:sld xmlns:a="http://schemas.openxmlformats.org/drawingml/2006/main" xmlns:r="http://schemas.openxmlformats.org/officeDocument/2006/relationships" xmlns:p="http://schemas.openxmlformats.org/presentationml/2006/main">
   <p:cSld>
     <p:spTree>
@@ -18452,7 +19039,7 @@
 </p:sld>
 </file>
 
-<file path=ppt/slides/slide5.xml><?xml version="1.0" encoding="utf-8"?>
+<file path=ppt/slides/slide6.xml><?xml version="1.0" encoding="utf-8"?>
 <p:sld xmlns:a="http://schemas.openxmlformats.org/drawingml/2006/main" xmlns:r="http://schemas.openxmlformats.org/officeDocument/2006/relationships" xmlns:p="http://schemas.openxmlformats.org/presentationml/2006/main">
   <p:cSld>
     <p:spTree>
@@ -18539,7 +19126,7 @@
 </p:sld>
 </file>
 
-<file path=ppt/slides/slide6.xml><?xml version="1.0" encoding="utf-8"?>
+<file path=ppt/slides/slide7.xml><?xml version="1.0" encoding="utf-8"?>
 <p:sld xmlns:a="http://schemas.openxmlformats.org/drawingml/2006/main" xmlns:r="http://schemas.openxmlformats.org/officeDocument/2006/relationships" xmlns:p="http://schemas.openxmlformats.org/presentationml/2006/main">
   <p:cSld>
     <p:spTree>
@@ -18702,7 +19289,7 @@
 </p:sld>
 </file>
 
-<file path=ppt/slides/slide7.xml><?xml version="1.0" encoding="utf-8"?>
+<file path=ppt/slides/slide8.xml><?xml version="1.0" encoding="utf-8"?>
 <p:sld xmlns:a="http://schemas.openxmlformats.org/drawingml/2006/main" xmlns:r="http://schemas.openxmlformats.org/officeDocument/2006/relationships" xmlns:p="http://schemas.openxmlformats.org/presentationml/2006/main">
   <p:cSld>
     <p:spTree>
@@ -18827,7 +19414,7 @@
 </p:sld>
 </file>
 
-<file path=ppt/slides/slide8.xml><?xml version="1.0" encoding="utf-8"?>
+<file path=ppt/slides/slide9.xml><?xml version="1.0" encoding="utf-8"?>
 <p:sld xmlns:a="http://schemas.openxmlformats.org/drawingml/2006/main" xmlns:r="http://schemas.openxmlformats.org/officeDocument/2006/relationships" xmlns:p="http://schemas.openxmlformats.org/presentationml/2006/main">
   <p:cSld>
     <p:spTree>
@@ -18914,122 +19501,6 @@
     <p:extLst>
       <p:ext uri="{BB962C8B-B14F-4D97-AF65-F5344CB8AC3E}">
         <p14:creationId xmlns:p14="http://schemas.microsoft.com/office/powerpoint/2010/main" val="3835609418"/>
-      </p:ext>
-    </p:extLst>
-  </p:cSld>
-  <p:clrMapOvr>
-    <a:masterClrMapping/>
-  </p:clrMapOvr>
-  <p:timing>
-    <p:tnLst>
-      <p:par>
-        <p:cTn id="1" dur="indefinite" restart="never" nodeType="tmRoot"/>
-      </p:par>
-    </p:tnLst>
-  </p:timing>
-</p:sld>
-</file>
-
-<file path=ppt/slides/slide9.xml><?xml version="1.0" encoding="utf-8"?>
-<p:sld xmlns:a="http://schemas.openxmlformats.org/drawingml/2006/main" xmlns:r="http://schemas.openxmlformats.org/officeDocument/2006/relationships" xmlns:p="http://schemas.openxmlformats.org/presentationml/2006/main">
-  <p:cSld>
-    <p:spTree>
-      <p:nvGrpSpPr>
-        <p:cNvPr id="1" name=""/>
-        <p:cNvGrpSpPr/>
-        <p:nvPr/>
-      </p:nvGrpSpPr>
-      <p:grpSpPr>
-        <a:xfrm>
-          <a:off x="0" y="0"/>
-          <a:ext cx="0" cy="0"/>
-          <a:chOff x="0" y="0"/>
-          <a:chExt cx="0" cy="0"/>
-        </a:xfrm>
-      </p:grpSpPr>
-      <p:sp>
-        <p:nvSpPr>
-          <p:cNvPr id="2" name="Content Placeholder 1"/>
-          <p:cNvSpPr>
-            <a:spLocks noGrp="1"/>
-          </p:cNvSpPr>
-          <p:nvPr>
-            <p:ph idx="1"/>
-          </p:nvPr>
-        </p:nvSpPr>
-        <p:spPr/>
-        <p:txBody>
-          <a:bodyPr/>
-          <a:lstStyle/>
-          <a:p>
-            <a:r>
-              <a:rPr lang="en-US" dirty="0" smtClean="0"/>
-              <a:t>Adding operations to an existing service</a:t>
-            </a:r>
-          </a:p>
-          <a:p>
-            <a:r>
-              <a:rPr lang="en-US" dirty="0" smtClean="0"/>
-              <a:t>Adding members to an existing data type</a:t>
-            </a:r>
-          </a:p>
-          <a:p>
-            <a:r>
-              <a:rPr lang="en-US" dirty="0" smtClean="0"/>
-              <a:t>Removing non-required members for an existing data type.</a:t>
-            </a:r>
-          </a:p>
-          <a:p>
-            <a:r>
-              <a:rPr lang="en-US" dirty="0" smtClean="0"/>
-              <a:t>Changing URL</a:t>
-            </a:r>
-          </a:p>
-          <a:p>
-            <a:pPr lvl="1"/>
-            <a:r>
-              <a:rPr lang="en-US" dirty="0" smtClean="0"/>
-              <a:t>This will require re-</a:t>
-            </a:r>
-            <a:r>
-              <a:rPr lang="en-US" dirty="0" err="1" smtClean="0"/>
-              <a:t>config</a:t>
-            </a:r>
-            <a:r>
-              <a:rPr lang="en-US" dirty="0" smtClean="0"/>
-              <a:t> of your clients, but will not break proxies.</a:t>
-            </a:r>
-            <a:endParaRPr lang="en-US" dirty="0"/>
-          </a:p>
-        </p:txBody>
-      </p:sp>
-      <p:sp>
-        <p:nvSpPr>
-          <p:cNvPr id="3" name="Title 2"/>
-          <p:cNvSpPr>
-            <a:spLocks noGrp="1"/>
-          </p:cNvSpPr>
-          <p:nvPr>
-            <p:ph type="title"/>
-          </p:nvPr>
-        </p:nvSpPr>
-        <p:spPr/>
-        <p:txBody>
-          <a:bodyPr/>
-          <a:lstStyle/>
-          <a:p>
-            <a:r>
-              <a:rPr lang="en-US" dirty="0" smtClean="0"/>
-              <a:t>What does NOT break WSDL?</a:t>
-            </a:r>
-            <a:endParaRPr lang="en-US" dirty="0"/>
-          </a:p>
-        </p:txBody>
-      </p:sp>
-    </p:spTree>
-    <p:extLst>
-      <p:ext uri="{BB962C8B-B14F-4D97-AF65-F5344CB8AC3E}">
-        <p14:creationId xmlns:p14="http://schemas.microsoft.com/office/powerpoint/2010/main" val="3635801709"/>
       </p:ext>
     </p:extLst>
   </p:cSld>

--- a/Designing WCF Services.pptx
+++ b/Designing WCF Services.pptx
@@ -7,22 +7,19 @@
   <p:sldIdLst>
     <p:sldId id="256" r:id="rId2"/>
     <p:sldId id="257" r:id="rId3"/>
-    <p:sldId id="270" r:id="rId4"/>
-    <p:sldId id="258" r:id="rId5"/>
-    <p:sldId id="259" r:id="rId6"/>
-    <p:sldId id="260" r:id="rId7"/>
-    <p:sldId id="261" r:id="rId8"/>
-    <p:sldId id="262" r:id="rId9"/>
-    <p:sldId id="263" r:id="rId10"/>
-    <p:sldId id="264" r:id="rId11"/>
-    <p:sldId id="265" r:id="rId12"/>
-    <p:sldId id="273" r:id="rId13"/>
-    <p:sldId id="266" r:id="rId14"/>
-    <p:sldId id="272" r:id="rId15"/>
-    <p:sldId id="267" r:id="rId16"/>
-    <p:sldId id="271" r:id="rId17"/>
-    <p:sldId id="268" r:id="rId18"/>
-    <p:sldId id="269" r:id="rId19"/>
+    <p:sldId id="258" r:id="rId4"/>
+    <p:sldId id="259" r:id="rId5"/>
+    <p:sldId id="260" r:id="rId6"/>
+    <p:sldId id="261" r:id="rId7"/>
+    <p:sldId id="262" r:id="rId8"/>
+    <p:sldId id="263" r:id="rId9"/>
+    <p:sldId id="264" r:id="rId10"/>
+    <p:sldId id="265" r:id="rId11"/>
+    <p:sldId id="273" r:id="rId12"/>
+    <p:sldId id="266" r:id="rId13"/>
+    <p:sldId id="272" r:id="rId14"/>
+    <p:sldId id="267" r:id="rId15"/>
+    <p:sldId id="269" r:id="rId16"/>
   </p:sldIdLst>
   <p:sldSz cx="9144000" cy="6858000" type="screen4x3"/>
   <p:notesSz cx="6858000" cy="9144000"/>
@@ -5008,7 +5005,7 @@
           <a:p>
             <a:fld id="{0EC9E97E-0B09-482A-8198-3D02374EE18E}" type="datetimeFigureOut">
               <a:rPr lang="en-US" smtClean="0"/>
-              <a:t>1/25/2013</a:t>
+              <a:t>1/27/2014</a:t>
             </a:fld>
             <a:endParaRPr lang="en-US"/>
           </a:p>
@@ -5219,7 +5216,7 @@
           <a:p>
             <a:fld id="{0EC9E97E-0B09-482A-8198-3D02374EE18E}" type="datetimeFigureOut">
               <a:rPr lang="en-US" smtClean="0"/>
-              <a:t>1/25/2013</a:t>
+              <a:t>1/27/2014</a:t>
             </a:fld>
             <a:endParaRPr lang="en-US"/>
           </a:p>
@@ -5370,7 +5367,7 @@
           <a:p>
             <a:fld id="{0EC9E97E-0B09-482A-8198-3D02374EE18E}" type="datetimeFigureOut">
               <a:rPr lang="en-US" smtClean="0"/>
-              <a:t>1/25/2013</a:t>
+              <a:t>1/27/2014</a:t>
             </a:fld>
             <a:endParaRPr lang="en-US"/>
           </a:p>
@@ -7196,7 +7193,7 @@
           <a:p>
             <a:fld id="{0EC9E97E-0B09-482A-8198-3D02374EE18E}" type="datetimeFigureOut">
               <a:rPr lang="en-US" smtClean="0"/>
-              <a:t>1/25/2013</a:t>
+              <a:t>1/27/2014</a:t>
             </a:fld>
             <a:endParaRPr lang="en-US"/>
           </a:p>
@@ -9066,7 +9063,7 @@
           <a:p>
             <a:fld id="{0EC9E97E-0B09-482A-8198-3D02374EE18E}" type="datetimeFigureOut">
               <a:rPr lang="en-US" smtClean="0"/>
-              <a:t>1/25/2013</a:t>
+              <a:t>1/27/2014</a:t>
             </a:fld>
             <a:endParaRPr lang="en-US"/>
           </a:p>
@@ -9209,7 +9206,7 @@
           <a:p>
             <a:fld id="{0EC9E97E-0B09-482A-8198-3D02374EE18E}" type="datetimeFigureOut">
               <a:rPr lang="en-US" smtClean="0"/>
-              <a:t>1/25/2013</a:t>
+              <a:t>1/27/2014</a:t>
             </a:fld>
             <a:endParaRPr lang="en-US"/>
           </a:p>
@@ -9750,7 +9747,7 @@
           <a:p>
             <a:fld id="{0EC9E97E-0B09-482A-8198-3D02374EE18E}" type="datetimeFigureOut">
               <a:rPr lang="en-US" smtClean="0"/>
-              <a:t>1/25/2013</a:t>
+              <a:t>1/27/2014</a:t>
             </a:fld>
             <a:endParaRPr lang="en-US"/>
           </a:p>
@@ -9863,7 +9860,7 @@
           <a:p>
             <a:fld id="{0EC9E97E-0B09-482A-8198-3D02374EE18E}" type="datetimeFigureOut">
               <a:rPr lang="en-US" smtClean="0"/>
-              <a:t>1/25/2013</a:t>
+              <a:t>1/27/2014</a:t>
             </a:fld>
             <a:endParaRPr lang="en-US"/>
           </a:p>
@@ -11574,7 +11571,7 @@
           <a:p>
             <a:fld id="{0EC9E97E-0B09-482A-8198-3D02374EE18E}" type="datetimeFigureOut">
               <a:rPr lang="en-US" smtClean="0"/>
-              <a:t>1/25/2013</a:t>
+              <a:t>1/27/2014</a:t>
             </a:fld>
             <a:endParaRPr lang="en-US"/>
           </a:p>
@@ -11725,7 +11722,7 @@
           <a:p>
             <a:fld id="{0EC9E97E-0B09-482A-8198-3D02374EE18E}" type="datetimeFigureOut">
               <a:rPr lang="en-US" smtClean="0"/>
-              <a:t>1/25/2013</a:t>
+              <a:t>1/27/2014</a:t>
             </a:fld>
             <a:endParaRPr lang="en-US"/>
           </a:p>
@@ -15340,7 +15337,7 @@
           <a:p>
             <a:fld id="{0EC9E97E-0B09-482A-8198-3D02374EE18E}" type="datetimeFigureOut">
               <a:rPr lang="en-US" smtClean="0"/>
-              <a:t>1/25/2013</a:t>
+              <a:t>1/27/2014</a:t>
             </a:fld>
             <a:endParaRPr lang="en-US"/>
           </a:p>
@@ -17229,7 +17226,7 @@
           <a:p>
             <a:fld id="{0EC9E97E-0B09-482A-8198-3D02374EE18E}" type="datetimeFigureOut">
               <a:rPr lang="en-US" smtClean="0"/>
-              <a:t>1/25/2013</a:t>
+              <a:t>1/27/2014</a:t>
             </a:fld>
             <a:endParaRPr lang="en-US"/>
           </a:p>
@@ -17856,122 +17853,6 @@
       </p:grpSpPr>
       <p:sp>
         <p:nvSpPr>
-          <p:cNvPr id="2" name="Content Placeholder 1"/>
-          <p:cNvSpPr>
-            <a:spLocks noGrp="1"/>
-          </p:cNvSpPr>
-          <p:nvPr>
-            <p:ph idx="1"/>
-          </p:nvPr>
-        </p:nvSpPr>
-        <p:spPr/>
-        <p:txBody>
-          <a:bodyPr/>
-          <a:lstStyle/>
-          <a:p>
-            <a:r>
-              <a:rPr lang="en-US" dirty="0" smtClean="0"/>
-              <a:t>Adding operations to an existing service</a:t>
-            </a:r>
-          </a:p>
-          <a:p>
-            <a:r>
-              <a:rPr lang="en-US" dirty="0" smtClean="0"/>
-              <a:t>Adding members to an existing data type</a:t>
-            </a:r>
-          </a:p>
-          <a:p>
-            <a:r>
-              <a:rPr lang="en-US" dirty="0" smtClean="0"/>
-              <a:t>Removing non-required members for an existing data type.</a:t>
-            </a:r>
-          </a:p>
-          <a:p>
-            <a:r>
-              <a:rPr lang="en-US" dirty="0" smtClean="0"/>
-              <a:t>Changing URL</a:t>
-            </a:r>
-          </a:p>
-          <a:p>
-            <a:pPr lvl="1"/>
-            <a:r>
-              <a:rPr lang="en-US" dirty="0" smtClean="0"/>
-              <a:t>This will require re-</a:t>
-            </a:r>
-            <a:r>
-              <a:rPr lang="en-US" dirty="0" err="1" smtClean="0"/>
-              <a:t>config</a:t>
-            </a:r>
-            <a:r>
-              <a:rPr lang="en-US" dirty="0" smtClean="0"/>
-              <a:t> of your clients, but will not break proxies.</a:t>
-            </a:r>
-            <a:endParaRPr lang="en-US" dirty="0"/>
-          </a:p>
-        </p:txBody>
-      </p:sp>
-      <p:sp>
-        <p:nvSpPr>
-          <p:cNvPr id="3" name="Title 2"/>
-          <p:cNvSpPr>
-            <a:spLocks noGrp="1"/>
-          </p:cNvSpPr>
-          <p:nvPr>
-            <p:ph type="title"/>
-          </p:nvPr>
-        </p:nvSpPr>
-        <p:spPr/>
-        <p:txBody>
-          <a:bodyPr/>
-          <a:lstStyle/>
-          <a:p>
-            <a:r>
-              <a:rPr lang="en-US" dirty="0" smtClean="0"/>
-              <a:t>What does NOT break WSDL?</a:t>
-            </a:r>
-            <a:endParaRPr lang="en-US" dirty="0"/>
-          </a:p>
-        </p:txBody>
-      </p:sp>
-    </p:spTree>
-    <p:extLst>
-      <p:ext uri="{BB962C8B-B14F-4D97-AF65-F5344CB8AC3E}">
-        <p14:creationId xmlns:p14="http://schemas.microsoft.com/office/powerpoint/2010/main" val="3635801709"/>
-      </p:ext>
-    </p:extLst>
-  </p:cSld>
-  <p:clrMapOvr>
-    <a:masterClrMapping/>
-  </p:clrMapOvr>
-  <p:timing>
-    <p:tnLst>
-      <p:par>
-        <p:cTn id="1" dur="indefinite" restart="never" nodeType="tmRoot"/>
-      </p:par>
-    </p:tnLst>
-  </p:timing>
-</p:sld>
-</file>
-
-<file path=ppt/slides/slide11.xml><?xml version="1.0" encoding="utf-8"?>
-<p:sld xmlns:a="http://schemas.openxmlformats.org/drawingml/2006/main" xmlns:r="http://schemas.openxmlformats.org/officeDocument/2006/relationships" xmlns:p="http://schemas.openxmlformats.org/presentationml/2006/main">
-  <p:cSld>
-    <p:spTree>
-      <p:nvGrpSpPr>
-        <p:cNvPr id="1" name=""/>
-        <p:cNvGrpSpPr/>
-        <p:nvPr/>
-      </p:nvGrpSpPr>
-      <p:grpSpPr>
-        <a:xfrm>
-          <a:off x="0" y="0"/>
-          <a:ext cx="0" cy="0"/>
-          <a:chOff x="0" y="0"/>
-          <a:chExt cx="0" cy="0"/>
-        </a:xfrm>
-      </p:grpSpPr>
-      <p:sp>
-        <p:nvSpPr>
           <p:cNvPr id="4" name="Title 3"/>
           <p:cNvSpPr>
             <a:spLocks noGrp="1"/>
@@ -18044,7 +17925,7 @@
 </p:sld>
 </file>
 
-<file path=ppt/slides/slide12.xml><?xml version="1.0" encoding="utf-8"?>
+<file path=ppt/slides/slide11.xml><?xml version="1.0" encoding="utf-8"?>
 <p:sld xmlns:a="http://schemas.openxmlformats.org/drawingml/2006/main" xmlns:r="http://schemas.openxmlformats.org/officeDocument/2006/relationships" xmlns:p="http://schemas.openxmlformats.org/presentationml/2006/main">
   <p:cSld>
     <p:spTree>
@@ -18116,7 +17997,7 @@
 </p:sld>
 </file>
 
-<file path=ppt/slides/slide13.xml><?xml version="1.0" encoding="utf-8"?>
+<file path=ppt/slides/slide12.xml><?xml version="1.0" encoding="utf-8"?>
 <p:sld xmlns:a="http://schemas.openxmlformats.org/drawingml/2006/main" xmlns:r="http://schemas.openxmlformats.org/officeDocument/2006/relationships" xmlns:p="http://schemas.openxmlformats.org/presentationml/2006/main">
   <p:cSld>
     <p:spTree>
@@ -18203,7 +18084,7 @@
 </p:sld>
 </file>
 
-<file path=ppt/slides/slide14.xml><?xml version="1.0" encoding="utf-8"?>
+<file path=ppt/slides/slide13.xml><?xml version="1.0" encoding="utf-8"?>
 <p:sld xmlns:a="http://schemas.openxmlformats.org/drawingml/2006/main" xmlns:r="http://schemas.openxmlformats.org/officeDocument/2006/relationships" xmlns:p="http://schemas.openxmlformats.org/presentationml/2006/main">
   <p:cSld>
     <p:spTree>
@@ -18275,7 +18156,7 @@
 </p:sld>
 </file>
 
-<file path=ppt/slides/slide15.xml><?xml version="1.0" encoding="utf-8"?>
+<file path=ppt/slides/slide14.xml><?xml version="1.0" encoding="utf-8"?>
 <p:sld xmlns:a="http://schemas.openxmlformats.org/drawingml/2006/main" xmlns:r="http://schemas.openxmlformats.org/officeDocument/2006/relationships" xmlns:p="http://schemas.openxmlformats.org/presentationml/2006/main">
   <p:cSld>
     <p:spTree>
@@ -18362,159 +18243,7 @@
 </p:sld>
 </file>
 
-<file path=ppt/slides/slide16.xml><?xml version="1.0" encoding="utf-8"?>
-<p:sld xmlns:a="http://schemas.openxmlformats.org/drawingml/2006/main" xmlns:r="http://schemas.openxmlformats.org/officeDocument/2006/relationships" xmlns:p="http://schemas.openxmlformats.org/presentationml/2006/main">
-  <p:cSld>
-    <p:spTree>
-      <p:nvGrpSpPr>
-        <p:cNvPr id="1" name=""/>
-        <p:cNvGrpSpPr/>
-        <p:nvPr/>
-      </p:nvGrpSpPr>
-      <p:grpSpPr>
-        <a:xfrm>
-          <a:off x="0" y="0"/>
-          <a:ext cx="0" cy="0"/>
-          <a:chOff x="0" y="0"/>
-          <a:chExt cx="0" cy="0"/>
-        </a:xfrm>
-      </p:grpSpPr>
-      <p:sp>
-        <p:nvSpPr>
-          <p:cNvPr id="2" name="Title 1"/>
-          <p:cNvSpPr>
-            <a:spLocks noGrp="1"/>
-          </p:cNvSpPr>
-          <p:nvPr>
-            <p:ph type="title"/>
-          </p:nvPr>
-        </p:nvSpPr>
-        <p:spPr/>
-        <p:txBody>
-          <a:bodyPr/>
-          <a:lstStyle/>
-          <a:p>
-            <a:r>
-              <a:rPr lang="en-US" dirty="0" smtClean="0"/>
-              <a:t>SOAP vs. REST</a:t>
-            </a:r>
-            <a:endParaRPr lang="en-US" dirty="0"/>
-          </a:p>
-        </p:txBody>
-      </p:sp>
-      <p:sp>
-        <p:nvSpPr>
-          <p:cNvPr id="3" name="Text Placeholder 2"/>
-          <p:cNvSpPr>
-            <a:spLocks noGrp="1"/>
-          </p:cNvSpPr>
-          <p:nvPr>
-            <p:ph type="body" idx="1"/>
-          </p:nvPr>
-        </p:nvSpPr>
-        <p:spPr/>
-        <p:txBody>
-          <a:bodyPr/>
-          <a:lstStyle/>
-          <a:p>
-            <a:endParaRPr lang="en-US"/>
-          </a:p>
-        </p:txBody>
-      </p:sp>
-    </p:spTree>
-    <p:extLst>
-      <p:ext uri="{BB962C8B-B14F-4D97-AF65-F5344CB8AC3E}">
-        <p14:creationId xmlns:p14="http://schemas.microsoft.com/office/powerpoint/2010/main" val="36637402"/>
-      </p:ext>
-    </p:extLst>
-  </p:cSld>
-  <p:clrMapOvr>
-    <a:masterClrMapping/>
-  </p:clrMapOvr>
-</p:sld>
-</file>
-
-<file path=ppt/slides/slide17.xml><?xml version="1.0" encoding="utf-8"?>
-<p:sld xmlns:a="http://schemas.openxmlformats.org/drawingml/2006/main" xmlns:r="http://schemas.openxmlformats.org/officeDocument/2006/relationships" xmlns:p="http://schemas.openxmlformats.org/presentationml/2006/main">
-  <p:cSld>
-    <p:spTree>
-      <p:nvGrpSpPr>
-        <p:cNvPr id="1" name=""/>
-        <p:cNvGrpSpPr/>
-        <p:nvPr/>
-      </p:nvGrpSpPr>
-      <p:grpSpPr>
-        <a:xfrm>
-          <a:off x="0" y="0"/>
-          <a:ext cx="0" cy="0"/>
-          <a:chOff x="0" y="0"/>
-          <a:chExt cx="0" cy="0"/>
-        </a:xfrm>
-      </p:grpSpPr>
-      <p:sp>
-        <p:nvSpPr>
-          <p:cNvPr id="4" name="Title 3"/>
-          <p:cNvSpPr>
-            <a:spLocks noGrp="1"/>
-          </p:cNvSpPr>
-          <p:nvPr>
-            <p:ph type="title"/>
-          </p:nvPr>
-        </p:nvSpPr>
-        <p:spPr/>
-        <p:txBody>
-          <a:bodyPr>
-            <a:noAutofit/>
-          </a:bodyPr>
-          <a:lstStyle/>
-          <a:p>
-            <a:r>
-              <a:rPr lang="en-US" sz="9600" dirty="0" smtClean="0"/>
-              <a:t>DEMO</a:t>
-            </a:r>
-            <a:endParaRPr lang="en-US" sz="9600" dirty="0"/>
-          </a:p>
-        </p:txBody>
-      </p:sp>
-      <p:sp>
-        <p:nvSpPr>
-          <p:cNvPr id="5" name="Text Placeholder 4"/>
-          <p:cNvSpPr>
-            <a:spLocks noGrp="1"/>
-          </p:cNvSpPr>
-          <p:nvPr>
-            <p:ph type="body" idx="1"/>
-          </p:nvPr>
-        </p:nvSpPr>
-        <p:spPr/>
-        <p:txBody>
-          <a:bodyPr>
-            <a:normAutofit/>
-          </a:bodyPr>
-          <a:lstStyle/>
-          <a:p>
-            <a:r>
-              <a:rPr lang="en-US" sz="5400" dirty="0" err="1" smtClean="0"/>
-              <a:t>jQuery</a:t>
-            </a:r>
-            <a:endParaRPr lang="en-US" sz="5400" dirty="0"/>
-          </a:p>
-        </p:txBody>
-      </p:sp>
-    </p:spTree>
-    <p:extLst>
-      <p:ext uri="{BB962C8B-B14F-4D97-AF65-F5344CB8AC3E}">
-        <p14:creationId xmlns:p14="http://schemas.microsoft.com/office/powerpoint/2010/main" val="1165930750"/>
-      </p:ext>
-    </p:extLst>
-  </p:cSld>
-  <p:clrMapOvr>
-    <a:masterClrMapping/>
-  </p:clrMapOvr>
-</p:sld>
-</file>
-
-<file path=ppt/slides/slide18.xml><?xml version="1.0" encoding="utf-8"?>
+<file path=ppt/slides/slide15.xml><?xml version="1.0" encoding="utf-8"?>
 <p:sld xmlns:a="http://schemas.openxmlformats.org/drawingml/2006/main" xmlns:r="http://schemas.openxmlformats.org/officeDocument/2006/relationships" xmlns:p="http://schemas.openxmlformats.org/presentationml/2006/main">
   <p:cSld>
     <p:spTree>
@@ -18744,137 +18473,6 @@
           <a:p>
             <a:r>
               <a:rPr lang="en-US" dirty="0" smtClean="0"/>
-              <a:t>Principal Consultant with Improving Enterprises</a:t>
-            </a:r>
-          </a:p>
-          <a:p>
-            <a:r>
-              <a:rPr lang="en-US" dirty="0" smtClean="0"/>
-              <a:t>Author of Entity Framework 4.1 : Expert’s Cookbook</a:t>
-            </a:r>
-          </a:p>
-          <a:p>
-            <a:r>
-              <a:rPr lang="en-US" dirty="0" smtClean="0"/>
-              <a:t>Microsoft MVP for </a:t>
-            </a:r>
-            <a:r>
-              <a:rPr lang="en-US" dirty="0" smtClean="0"/>
-              <a:t>C#</a:t>
-            </a:r>
-            <a:endParaRPr lang="en-US" dirty="0" smtClean="0"/>
-          </a:p>
-          <a:p>
-            <a:r>
-              <a:rPr lang="en-US" dirty="0" smtClean="0"/>
-              <a:t>Team Foundation Server &amp; Agile Guru</a:t>
-            </a:r>
-            <a:endParaRPr lang="en-US" dirty="0" smtClean="0"/>
-          </a:p>
-          <a:p>
-            <a:endParaRPr lang="en-US" dirty="0"/>
-          </a:p>
-          <a:p>
-            <a:r>
-              <a:rPr lang="en-US" dirty="0" smtClean="0"/>
-              <a:t>Blog: </a:t>
-            </a:r>
-            <a:r>
-              <a:rPr lang="en-US" dirty="0" smtClean="0"/>
-              <a:t>DevlinLiles.com</a:t>
-            </a:r>
-            <a:endParaRPr lang="en-US" dirty="0" smtClean="0"/>
-          </a:p>
-          <a:p>
-            <a:r>
-              <a:rPr lang="en-US" dirty="0" smtClean="0"/>
-              <a:t>Email: </a:t>
-            </a:r>
-            <a:r>
-              <a:rPr lang="en-US" dirty="0" smtClean="0"/>
-              <a:t>Devlin@DevlinLiles.com</a:t>
-            </a:r>
-            <a:endParaRPr lang="en-US" dirty="0"/>
-          </a:p>
-        </p:txBody>
-      </p:sp>
-      <p:sp>
-        <p:nvSpPr>
-          <p:cNvPr id="3" name="Title 2"/>
-          <p:cNvSpPr>
-            <a:spLocks noGrp="1"/>
-          </p:cNvSpPr>
-          <p:nvPr>
-            <p:ph type="title"/>
-          </p:nvPr>
-        </p:nvSpPr>
-        <p:spPr/>
-        <p:txBody>
-          <a:bodyPr/>
-          <a:lstStyle/>
-          <a:p>
-            <a:r>
-              <a:rPr lang="en-US" dirty="0" smtClean="0"/>
-              <a:t>Devlin Liles</a:t>
-            </a:r>
-            <a:endParaRPr lang="en-US" dirty="0"/>
-          </a:p>
-        </p:txBody>
-      </p:sp>
-    </p:spTree>
-    <p:extLst>
-      <p:ext uri="{BB962C8B-B14F-4D97-AF65-F5344CB8AC3E}">
-        <p14:creationId xmlns:p14="http://schemas.microsoft.com/office/powerpoint/2010/main" val="3391519983"/>
-      </p:ext>
-    </p:extLst>
-  </p:cSld>
-  <p:clrMapOvr>
-    <a:masterClrMapping/>
-  </p:clrMapOvr>
-  <p:timing>
-    <p:tnLst>
-      <p:par>
-        <p:cTn id="1" dur="indefinite" restart="never" nodeType="tmRoot"/>
-      </p:par>
-    </p:tnLst>
-  </p:timing>
-</p:sld>
-</file>
-
-<file path=ppt/slides/slide4.xml><?xml version="1.0" encoding="utf-8"?>
-<p:sld xmlns:a="http://schemas.openxmlformats.org/drawingml/2006/main" xmlns:r="http://schemas.openxmlformats.org/officeDocument/2006/relationships" xmlns:p="http://schemas.openxmlformats.org/presentationml/2006/main">
-  <p:cSld>
-    <p:spTree>
-      <p:nvGrpSpPr>
-        <p:cNvPr id="1" name=""/>
-        <p:cNvGrpSpPr/>
-        <p:nvPr/>
-      </p:nvGrpSpPr>
-      <p:grpSpPr>
-        <a:xfrm>
-          <a:off x="0" y="0"/>
-          <a:ext cx="0" cy="0"/>
-          <a:chOff x="0" y="0"/>
-          <a:chExt cx="0" cy="0"/>
-        </a:xfrm>
-      </p:grpSpPr>
-      <p:sp>
-        <p:nvSpPr>
-          <p:cNvPr id="2" name="Content Placeholder 1"/>
-          <p:cNvSpPr>
-            <a:spLocks noGrp="1"/>
-          </p:cNvSpPr>
-          <p:nvPr>
-            <p:ph idx="1"/>
-          </p:nvPr>
-        </p:nvSpPr>
-        <p:spPr/>
-        <p:txBody>
-          <a:bodyPr/>
-          <a:lstStyle/>
-          <a:p>
-            <a:r>
-              <a:rPr lang="en-US" dirty="0" smtClean="0"/>
               <a:t>Windows Communication Foundation provides abstractions over:</a:t>
             </a:r>
           </a:p>
@@ -18954,7 +18552,7 @@
 </p:sld>
 </file>
 
-<file path=ppt/slides/slide5.xml><?xml version="1.0" encoding="utf-8"?>
+<file path=ppt/slides/slide4.xml><?xml version="1.0" encoding="utf-8"?>
 <p:sld xmlns:a="http://schemas.openxmlformats.org/drawingml/2006/main" xmlns:r="http://schemas.openxmlformats.org/officeDocument/2006/relationships" xmlns:p="http://schemas.openxmlformats.org/presentationml/2006/main">
   <p:cSld>
     <p:spTree>
@@ -19039,7 +18637,7 @@
 </p:sld>
 </file>
 
-<file path=ppt/slides/slide6.xml><?xml version="1.0" encoding="utf-8"?>
+<file path=ppt/slides/slide5.xml><?xml version="1.0" encoding="utf-8"?>
 <p:sld xmlns:a="http://schemas.openxmlformats.org/drawingml/2006/main" xmlns:r="http://schemas.openxmlformats.org/officeDocument/2006/relationships" xmlns:p="http://schemas.openxmlformats.org/presentationml/2006/main">
   <p:cSld>
     <p:spTree>
@@ -19126,7 +18724,7 @@
 </p:sld>
 </file>
 
-<file path=ppt/slides/slide7.xml><?xml version="1.0" encoding="utf-8"?>
+<file path=ppt/slides/slide6.xml><?xml version="1.0" encoding="utf-8"?>
 <p:sld xmlns:a="http://schemas.openxmlformats.org/drawingml/2006/main" xmlns:r="http://schemas.openxmlformats.org/officeDocument/2006/relationships" xmlns:p="http://schemas.openxmlformats.org/presentationml/2006/main">
   <p:cSld>
     <p:spTree>
@@ -19289,7 +18887,7 @@
 </p:sld>
 </file>
 
-<file path=ppt/slides/slide8.xml><?xml version="1.0" encoding="utf-8"?>
+<file path=ppt/slides/slide7.xml><?xml version="1.0" encoding="utf-8"?>
 <p:sld xmlns:a="http://schemas.openxmlformats.org/drawingml/2006/main" xmlns:r="http://schemas.openxmlformats.org/officeDocument/2006/relationships" xmlns:p="http://schemas.openxmlformats.org/presentationml/2006/main">
   <p:cSld>
     <p:spTree>
@@ -19414,7 +19012,7 @@
 </p:sld>
 </file>
 
-<file path=ppt/slides/slide9.xml><?xml version="1.0" encoding="utf-8"?>
+<file path=ppt/slides/slide8.xml><?xml version="1.0" encoding="utf-8"?>
 <p:sld xmlns:a="http://schemas.openxmlformats.org/drawingml/2006/main" xmlns:r="http://schemas.openxmlformats.org/officeDocument/2006/relationships" xmlns:p="http://schemas.openxmlformats.org/presentationml/2006/main">
   <p:cSld>
     <p:spTree>
@@ -19501,6 +19099,122 @@
     <p:extLst>
       <p:ext uri="{BB962C8B-B14F-4D97-AF65-F5344CB8AC3E}">
         <p14:creationId xmlns:p14="http://schemas.microsoft.com/office/powerpoint/2010/main" val="3835609418"/>
+      </p:ext>
+    </p:extLst>
+  </p:cSld>
+  <p:clrMapOvr>
+    <a:masterClrMapping/>
+  </p:clrMapOvr>
+  <p:timing>
+    <p:tnLst>
+      <p:par>
+        <p:cTn id="1" dur="indefinite" restart="never" nodeType="tmRoot"/>
+      </p:par>
+    </p:tnLst>
+  </p:timing>
+</p:sld>
+</file>
+
+<file path=ppt/slides/slide9.xml><?xml version="1.0" encoding="utf-8"?>
+<p:sld xmlns:a="http://schemas.openxmlformats.org/drawingml/2006/main" xmlns:r="http://schemas.openxmlformats.org/officeDocument/2006/relationships" xmlns:p="http://schemas.openxmlformats.org/presentationml/2006/main">
+  <p:cSld>
+    <p:spTree>
+      <p:nvGrpSpPr>
+        <p:cNvPr id="1" name=""/>
+        <p:cNvGrpSpPr/>
+        <p:nvPr/>
+      </p:nvGrpSpPr>
+      <p:grpSpPr>
+        <a:xfrm>
+          <a:off x="0" y="0"/>
+          <a:ext cx="0" cy="0"/>
+          <a:chOff x="0" y="0"/>
+          <a:chExt cx="0" cy="0"/>
+        </a:xfrm>
+      </p:grpSpPr>
+      <p:sp>
+        <p:nvSpPr>
+          <p:cNvPr id="2" name="Content Placeholder 1"/>
+          <p:cNvSpPr>
+            <a:spLocks noGrp="1"/>
+          </p:cNvSpPr>
+          <p:nvPr>
+            <p:ph idx="1"/>
+          </p:nvPr>
+        </p:nvSpPr>
+        <p:spPr/>
+        <p:txBody>
+          <a:bodyPr/>
+          <a:lstStyle/>
+          <a:p>
+            <a:r>
+              <a:rPr lang="en-US" dirty="0" smtClean="0"/>
+              <a:t>Adding operations to an existing service</a:t>
+            </a:r>
+          </a:p>
+          <a:p>
+            <a:r>
+              <a:rPr lang="en-US" dirty="0" smtClean="0"/>
+              <a:t>Adding members to an existing data type</a:t>
+            </a:r>
+          </a:p>
+          <a:p>
+            <a:r>
+              <a:rPr lang="en-US" dirty="0" smtClean="0"/>
+              <a:t>Removing non-required members for an existing data type.</a:t>
+            </a:r>
+          </a:p>
+          <a:p>
+            <a:r>
+              <a:rPr lang="en-US" dirty="0" smtClean="0"/>
+              <a:t>Changing URL</a:t>
+            </a:r>
+          </a:p>
+          <a:p>
+            <a:pPr lvl="1"/>
+            <a:r>
+              <a:rPr lang="en-US" dirty="0" smtClean="0"/>
+              <a:t>This will require re-</a:t>
+            </a:r>
+            <a:r>
+              <a:rPr lang="en-US" dirty="0" err="1" smtClean="0"/>
+              <a:t>config</a:t>
+            </a:r>
+            <a:r>
+              <a:rPr lang="en-US" dirty="0" smtClean="0"/>
+              <a:t> of your clients, but will not break proxies.</a:t>
+            </a:r>
+            <a:endParaRPr lang="en-US" dirty="0"/>
+          </a:p>
+        </p:txBody>
+      </p:sp>
+      <p:sp>
+        <p:nvSpPr>
+          <p:cNvPr id="3" name="Title 2"/>
+          <p:cNvSpPr>
+            <a:spLocks noGrp="1"/>
+          </p:cNvSpPr>
+          <p:nvPr>
+            <p:ph type="title"/>
+          </p:nvPr>
+        </p:nvSpPr>
+        <p:spPr/>
+        <p:txBody>
+          <a:bodyPr/>
+          <a:lstStyle/>
+          <a:p>
+            <a:r>
+              <a:rPr lang="en-US" dirty="0" smtClean="0"/>
+              <a:t>What does NOT break WSDL?</a:t>
+            </a:r>
+            <a:endParaRPr lang="en-US" dirty="0"/>
+          </a:p>
+        </p:txBody>
+      </p:sp>
+    </p:spTree>
+    <p:extLst>
+      <p:ext uri="{BB962C8B-B14F-4D97-AF65-F5344CB8AC3E}">
+        <p14:creationId xmlns:p14="http://schemas.microsoft.com/office/powerpoint/2010/main" val="3635801709"/>
       </p:ext>
     </p:extLst>
   </p:cSld>
